--- a/VS Code Tutorial/VS Code macro.pptx
+++ b/VS Code Tutorial/VS Code macro.pptx
@@ -3238,17 +3238,7 @@
                 <a:latin typeface="HY견고딕" panose="02030600000101010101" pitchFamily="18" charset="-127"/>
                 <a:ea typeface="HY견고딕" panose="02030600000101010101" pitchFamily="18" charset="-127"/>
               </a:rPr>
-              <a:t> </a:t>
-            </a:r>
-            <a:r>
-              <a:rPr lang="en-US" altLang="ko-KR" sz="7200" dirty="0" smtClean="0">
-                <a:solidFill>
-                  <a:srgbClr val="F8A662"/>
-                </a:solidFill>
-                <a:latin typeface="HY견고딕" panose="02030600000101010101" pitchFamily="18" charset="-127"/>
-                <a:ea typeface="HY견고딕" panose="02030600000101010101" pitchFamily="18" charset="-127"/>
-              </a:rPr>
-              <a:t>Macro</a:t>
+              <a:t> Macro</a:t>
             </a:r>
             <a:endParaRPr lang="ko-KR" altLang="en-US" sz="7200" dirty="0">
               <a:solidFill>
@@ -3808,6 +3798,8 @@
               </a:rPr>
               <a:t> runnable </a:t>
             </a:r>
+          </a:p>
+          <a:p>
             <a:endParaRPr lang="en-US" altLang="ko-KR" sz="2800" dirty="0" smtClean="0">
               <a:solidFill>
                 <a:schemeClr val="accent4">
@@ -3817,15 +3809,6 @@
             </a:endParaRPr>
           </a:p>
           <a:p>
-            <a:endParaRPr lang="en-US" altLang="ko-KR" sz="2800" dirty="0" smtClean="0">
-              <a:solidFill>
-                <a:schemeClr val="accent4">
-                  <a:lumMod val="75000"/>
-                </a:schemeClr>
-              </a:solidFill>
-            </a:endParaRPr>
-          </a:p>
-          <a:p>
             <a:r>
               <a:rPr lang="en-US" altLang="ko-KR" sz="2800" dirty="0" smtClean="0">
                 <a:solidFill>
@@ -3917,14 +3900,6 @@
               </a:rPr>
               <a:t>();</a:t>
             </a:r>
-            <a:endParaRPr lang="en-US" altLang="ko-KR" sz="2000" dirty="0" smtClean="0">
-              <a:solidFill>
-                <a:schemeClr val="accent4">
-                  <a:lumMod val="60000"/>
-                  <a:lumOff val="40000"/>
-                </a:schemeClr>
-              </a:solidFill>
-            </a:endParaRPr>
           </a:p>
           <a:p>
             <a:endParaRPr lang="en-US" altLang="ko-KR" sz="2800" dirty="0" smtClean="0">
@@ -3955,14 +3930,6 @@
               </a:rPr>
               <a:t>someDirtyCode.js</a:t>
             </a:r>
-            <a:endParaRPr lang="en-US" altLang="ko-KR" sz="2800" dirty="0" smtClean="0">
-              <a:solidFill>
-                <a:schemeClr val="accent1">
-                  <a:lumMod val="60000"/>
-                  <a:lumOff val="40000"/>
-                </a:schemeClr>
-              </a:solidFill>
-            </a:endParaRPr>
           </a:p>
           <a:p>
             <a:pPr marL="0" indent="0">
@@ -4357,7 +4324,7 @@
         <p:spPr/>
         <p:txBody>
           <a:bodyPr>
-            <a:normAutofit fontScale="70000" lnSpcReduction="20000"/>
+            <a:normAutofit fontScale="55000" lnSpcReduction="20000"/>
           </a:bodyPr>
           <a:lstStyle/>
           <a:p>
@@ -4391,8 +4358,8 @@
               <a:rPr lang="en-US" altLang="ko-KR" dirty="0" smtClean="0">
                 <a:solidFill>
                   <a:schemeClr val="tx2">
-                    <a:lumMod val="20000"/>
-                    <a:lumOff val="80000"/>
+                    <a:lumMod val="40000"/>
+                    <a:lumOff val="60000"/>
                   </a:schemeClr>
                 </a:solidFill>
               </a:rPr>
@@ -4422,7 +4389,7 @@
             <a:pPr marL="0" indent="0" algn="ctr">
               <a:buNone/>
             </a:pPr>
-            <a:endParaRPr lang="en-US" altLang="ko-KR" dirty="0" smtClean="0">
+            <a:endParaRPr lang="en-US" altLang="ko-KR" b="1" dirty="0" smtClean="0">
               <a:solidFill>
                 <a:schemeClr val="tx2">
                   <a:lumMod val="75000"/>
@@ -4834,8 +4801,82 @@
                   </a:schemeClr>
                 </a:solidFill>
               </a:rPr>
-              <a:t>Shift + Alt + F  = auto-format</a:t>
-            </a:r>
+              <a:t>Shift + Alt + F  = </a:t>
+            </a:r>
+            <a:r>
+              <a:rPr lang="en-US" altLang="ko-KR" dirty="0" smtClean="0">
+                <a:solidFill>
+                  <a:schemeClr val="accent5">
+                    <a:lumMod val="75000"/>
+                  </a:schemeClr>
+                </a:solidFill>
+              </a:rPr>
+              <a:t>auto-format</a:t>
+            </a:r>
+          </a:p>
+          <a:p>
+            <a:pPr marL="0" indent="0" algn="ctr">
+              <a:buNone/>
+            </a:pPr>
+            <a:endParaRPr lang="en-US" altLang="ko-KR" dirty="0">
+              <a:solidFill>
+                <a:schemeClr val="accent5">
+                  <a:lumMod val="75000"/>
+                </a:schemeClr>
+              </a:solidFill>
+            </a:endParaRPr>
+          </a:p>
+          <a:p>
+            <a:pPr marL="0" indent="0" algn="ctr">
+              <a:buNone/>
+            </a:pPr>
+            <a:r>
+              <a:rPr lang="en-US" altLang="ko-KR" dirty="0" smtClean="0">
+                <a:solidFill>
+                  <a:schemeClr val="accent1">
+                    <a:lumMod val="75000"/>
+                  </a:schemeClr>
+                </a:solidFill>
+              </a:rPr>
+              <a:t>Ctrl + </a:t>
+            </a:r>
+            <a:r>
+              <a:rPr lang="en-US" altLang="ko-KR" dirty="0" err="1" smtClean="0">
+                <a:solidFill>
+                  <a:schemeClr val="accent1">
+                    <a:lumMod val="75000"/>
+                  </a:schemeClr>
+                </a:solidFill>
+              </a:rPr>
+              <a:t>shif</a:t>
+            </a:r>
+            <a:r>
+              <a:rPr lang="en-US" altLang="ko-KR" dirty="0" smtClean="0">
+                <a:solidFill>
+                  <a:schemeClr val="accent1">
+                    <a:lumMod val="75000"/>
+                  </a:schemeClr>
+                </a:solidFill>
+              </a:rPr>
+              <a:t> + L  = cursor at all </a:t>
+            </a:r>
+            <a:r>
+              <a:rPr lang="en-US" altLang="ko-KR" dirty="0" err="1" smtClean="0">
+                <a:solidFill>
+                  <a:schemeClr val="accent1">
+                    <a:lumMod val="75000"/>
+                  </a:schemeClr>
+                </a:solidFill>
+              </a:rPr>
+              <a:t>occurence</a:t>
+            </a:r>
+            <a:endParaRPr lang="en-US" altLang="ko-KR" dirty="0" smtClean="0">
+              <a:solidFill>
+                <a:schemeClr val="accent1">
+                  <a:lumMod val="75000"/>
+                </a:schemeClr>
+              </a:solidFill>
+            </a:endParaRPr>
           </a:p>
           <a:p>
             <a:pPr marL="0" indent="0">
@@ -4846,6 +4887,24 @@
                 <a:schemeClr val="accent6">
                   <a:lumMod val="75000"/>
                 </a:schemeClr>
+              </a:solidFill>
+            </a:endParaRPr>
+          </a:p>
+          <a:p>
+            <a:pPr marL="0" indent="0" algn="ctr">
+              <a:buNone/>
+            </a:pPr>
+            <a:r>
+              <a:rPr lang="en-US" altLang="ko-KR" dirty="0" smtClean="0">
+                <a:solidFill>
+                  <a:srgbClr val="FFC000"/>
+                </a:solidFill>
+              </a:rPr>
+              <a:t>Shift + Alt + I  = cursor at the end of Line</a:t>
+            </a:r>
+            <a:endParaRPr lang="en-US" altLang="ko-KR" dirty="0" smtClean="0">
+              <a:solidFill>
+                <a:srgbClr val="FFC000"/>
               </a:solidFill>
             </a:endParaRPr>
           </a:p>
@@ -5246,18 +5305,7 @@
                   </a:schemeClr>
                 </a:solidFill>
               </a:rPr>
-              <a:t>(here shows all the macro preset &amp; how to set your own macro</a:t>
-            </a:r>
-            <a:r>
-              <a:rPr lang="en-US" altLang="ko-KR" sz="1800" dirty="0" smtClean="0">
-                <a:solidFill>
-                  <a:schemeClr val="accent5">
-                    <a:lumMod val="60000"/>
-                    <a:lumOff val="40000"/>
-                  </a:schemeClr>
-                </a:solidFill>
-              </a:rPr>
-              <a:t>)</a:t>
+              <a:t>(here shows all the macro preset &amp; how to set your own macro)</a:t>
             </a:r>
           </a:p>
           <a:p>
@@ -5352,14 +5400,6 @@
               </a:rPr>
               <a:t>https://www.vobour.com/%EA%B0%9C%EB%B0%9C-%EC%83%9D%EC%82%B0%EC%84%B1%EC%9D%84-%EC%98%AC%EB%A0%A4%EC%A3%BC%EB%8A%94-vscode%EC%9D%98-%EC%86%8C%EC%86%8C-%ED%95%9C-%EA%B8%B0%EB%8A%A5%EB%93%A4</a:t>
             </a:r>
-            <a:endParaRPr lang="en-US" altLang="ko-KR" sz="1600" dirty="0">
-              <a:solidFill>
-                <a:schemeClr val="accent2">
-                  <a:lumMod val="60000"/>
-                  <a:lumOff val="40000"/>
-                </a:schemeClr>
-              </a:solidFill>
-            </a:endParaRPr>
           </a:p>
         </p:txBody>
       </p:sp>

--- a/VS Code Tutorial/VS Code macro.pptx
+++ b/VS Code Tutorial/VS Code macro.pptx
@@ -296,7 +296,7 @@
           <a:p>
             <a:fld id="{42A5A137-CFE1-4A07-9020-2E8A6B52D5EB}" type="datetimeFigureOut">
               <a:rPr lang="ko-KR" altLang="en-US" smtClean="0"/>
-              <a:t>2019-04-04</a:t>
+              <a:t>2019-04-11</a:t>
             </a:fld>
             <a:endParaRPr lang="ko-KR" altLang="en-US"/>
           </a:p>
@@ -473,7 +473,7 @@
           <a:p>
             <a:fld id="{42A5A137-CFE1-4A07-9020-2E8A6B52D5EB}" type="datetimeFigureOut">
               <a:rPr lang="ko-KR" altLang="en-US" smtClean="0"/>
-              <a:t>2019-04-04</a:t>
+              <a:t>2019-04-11</a:t>
             </a:fld>
             <a:endParaRPr lang="ko-KR" altLang="en-US"/>
           </a:p>
@@ -653,7 +653,7 @@
           <a:p>
             <a:fld id="{42A5A137-CFE1-4A07-9020-2E8A6B52D5EB}" type="datetimeFigureOut">
               <a:rPr lang="ko-KR" altLang="en-US" smtClean="0"/>
-              <a:t>2019-04-04</a:t>
+              <a:t>2019-04-11</a:t>
             </a:fld>
             <a:endParaRPr lang="ko-KR" altLang="en-US"/>
           </a:p>
@@ -823,7 +823,7 @@
           <a:p>
             <a:fld id="{42A5A137-CFE1-4A07-9020-2E8A6B52D5EB}" type="datetimeFigureOut">
               <a:rPr lang="ko-KR" altLang="en-US" smtClean="0"/>
-              <a:t>2019-04-04</a:t>
+              <a:t>2019-04-11</a:t>
             </a:fld>
             <a:endParaRPr lang="ko-KR" altLang="en-US"/>
           </a:p>
@@ -1076,7 +1076,7 @@
           <a:p>
             <a:fld id="{42A5A137-CFE1-4A07-9020-2E8A6B52D5EB}" type="datetimeFigureOut">
               <a:rPr lang="ko-KR" altLang="en-US" smtClean="0"/>
-              <a:t>2019-04-04</a:t>
+              <a:t>2019-04-11</a:t>
             </a:fld>
             <a:endParaRPr lang="ko-KR" altLang="en-US"/>
           </a:p>
@@ -1371,7 +1371,7 @@
           <a:p>
             <a:fld id="{42A5A137-CFE1-4A07-9020-2E8A6B52D5EB}" type="datetimeFigureOut">
               <a:rPr lang="ko-KR" altLang="en-US" smtClean="0"/>
-              <a:t>2019-04-04</a:t>
+              <a:t>2019-04-11</a:t>
             </a:fld>
             <a:endParaRPr lang="ko-KR" altLang="en-US"/>
           </a:p>
@@ -1800,7 +1800,7 @@
           <a:p>
             <a:fld id="{42A5A137-CFE1-4A07-9020-2E8A6B52D5EB}" type="datetimeFigureOut">
               <a:rPr lang="ko-KR" altLang="en-US" smtClean="0"/>
-              <a:t>2019-04-04</a:t>
+              <a:t>2019-04-11</a:t>
             </a:fld>
             <a:endParaRPr lang="ko-KR" altLang="en-US"/>
           </a:p>
@@ -1925,7 +1925,7 @@
           <a:p>
             <a:fld id="{42A5A137-CFE1-4A07-9020-2E8A6B52D5EB}" type="datetimeFigureOut">
               <a:rPr lang="ko-KR" altLang="en-US" smtClean="0"/>
-              <a:t>2019-04-04</a:t>
+              <a:t>2019-04-11</a:t>
             </a:fld>
             <a:endParaRPr lang="ko-KR" altLang="en-US"/>
           </a:p>
@@ -2027,7 +2027,7 @@
           <a:p>
             <a:fld id="{42A5A137-CFE1-4A07-9020-2E8A6B52D5EB}" type="datetimeFigureOut">
               <a:rPr lang="ko-KR" altLang="en-US" smtClean="0"/>
-              <a:t>2019-04-04</a:t>
+              <a:t>2019-04-11</a:t>
             </a:fld>
             <a:endParaRPr lang="ko-KR" altLang="en-US"/>
           </a:p>
@@ -2304,7 +2304,7 @@
           <a:p>
             <a:fld id="{42A5A137-CFE1-4A07-9020-2E8A6B52D5EB}" type="datetimeFigureOut">
               <a:rPr lang="ko-KR" altLang="en-US" smtClean="0"/>
-              <a:t>2019-04-04</a:t>
+              <a:t>2019-04-11</a:t>
             </a:fld>
             <a:endParaRPr lang="ko-KR" altLang="en-US"/>
           </a:p>
@@ -2557,7 +2557,7 @@
           <a:p>
             <a:fld id="{42A5A137-CFE1-4A07-9020-2E8A6B52D5EB}" type="datetimeFigureOut">
               <a:rPr lang="ko-KR" altLang="en-US" smtClean="0"/>
-              <a:t>2019-04-04</a:t>
+              <a:t>2019-04-11</a:t>
             </a:fld>
             <a:endParaRPr lang="ko-KR" altLang="en-US"/>
           </a:p>
@@ -2783,7 +2783,7 @@
           <a:p>
             <a:fld id="{42A5A137-CFE1-4A07-9020-2E8A6B52D5EB}" type="datetimeFigureOut">
               <a:rPr lang="ko-KR" altLang="en-US" smtClean="0"/>
-              <a:t>2019-04-04</a:t>
+              <a:t>2019-04-11</a:t>
             </a:fld>
             <a:endParaRPr lang="ko-KR" altLang="en-US"/>
           </a:p>
@@ -4324,7 +4324,7 @@
         <p:spPr/>
         <p:txBody>
           <a:bodyPr>
-            <a:normAutofit fontScale="55000" lnSpcReduction="20000"/>
+            <a:normAutofit fontScale="47500" lnSpcReduction="20000"/>
           </a:bodyPr>
           <a:lstStyle/>
           <a:p>
@@ -4801,17 +4801,7 @@
                   </a:schemeClr>
                 </a:solidFill>
               </a:rPr>
-              <a:t>Shift + Alt + F  = </a:t>
-            </a:r>
-            <a:r>
-              <a:rPr lang="en-US" altLang="ko-KR" dirty="0" smtClean="0">
-                <a:solidFill>
-                  <a:schemeClr val="accent5">
-                    <a:lumMod val="75000"/>
-                  </a:schemeClr>
-                </a:solidFill>
-              </a:rPr>
-              <a:t>auto-format</a:t>
+              <a:t>Shift + Alt + F  = auto-format</a:t>
             </a:r>
           </a:p>
           <a:p>
@@ -4900,11 +4890,42 @@
                   <a:srgbClr val="FFC000"/>
                 </a:solidFill>
               </a:rPr>
-              <a:t>Shift + Alt + I  = cursor at the end of Line</a:t>
+              <a:t>Shift + Alt + I  = cursor at the end of </a:t>
+            </a:r>
+            <a:r>
+              <a:rPr lang="en-US" altLang="ko-KR" dirty="0" smtClean="0">
+                <a:solidFill>
+                  <a:srgbClr val="FFC000"/>
+                </a:solidFill>
+              </a:rPr>
+              <a:t>Line</a:t>
+            </a:r>
+          </a:p>
+          <a:p>
+            <a:pPr marL="0" indent="0" algn="ctr">
+              <a:buNone/>
+            </a:pPr>
+            <a:endParaRPr lang="en-US" altLang="ko-KR" dirty="0">
+              <a:solidFill>
+                <a:srgbClr val="FFC000"/>
+              </a:solidFill>
+            </a:endParaRPr>
+          </a:p>
+          <a:p>
+            <a:pPr marL="0" indent="0" algn="ctr">
+              <a:buNone/>
+            </a:pPr>
+            <a:r>
+              <a:rPr lang="en-US" altLang="ko-KR" dirty="0" smtClean="0">
+                <a:solidFill>
+                  <a:srgbClr val="FF0000"/>
+                </a:solidFill>
+              </a:rPr>
+              <a:t>Ctrl + .  = QUICK FIX</a:t>
             </a:r>
             <a:endParaRPr lang="en-US" altLang="ko-KR" dirty="0" smtClean="0">
               <a:solidFill>
-                <a:srgbClr val="FFC000"/>
+                <a:srgbClr val="FF0000"/>
               </a:solidFill>
             </a:endParaRPr>
           </a:p>

--- a/VS Code Tutorial/VS Code macro.pptx
+++ b/VS Code Tutorial/VS Code macro.pptx
@@ -296,7 +296,7 @@
           <a:p>
             <a:fld id="{42A5A137-CFE1-4A07-9020-2E8A6B52D5EB}" type="datetimeFigureOut">
               <a:rPr lang="ko-KR" altLang="en-US" smtClean="0"/>
-              <a:t>2019-04-11</a:t>
+              <a:t>2019-05-09</a:t>
             </a:fld>
             <a:endParaRPr lang="ko-KR" altLang="en-US"/>
           </a:p>
@@ -473,7 +473,7 @@
           <a:p>
             <a:fld id="{42A5A137-CFE1-4A07-9020-2E8A6B52D5EB}" type="datetimeFigureOut">
               <a:rPr lang="ko-KR" altLang="en-US" smtClean="0"/>
-              <a:t>2019-04-11</a:t>
+              <a:t>2019-05-09</a:t>
             </a:fld>
             <a:endParaRPr lang="ko-KR" altLang="en-US"/>
           </a:p>
@@ -653,7 +653,7 @@
           <a:p>
             <a:fld id="{42A5A137-CFE1-4A07-9020-2E8A6B52D5EB}" type="datetimeFigureOut">
               <a:rPr lang="ko-KR" altLang="en-US" smtClean="0"/>
-              <a:t>2019-04-11</a:t>
+              <a:t>2019-05-09</a:t>
             </a:fld>
             <a:endParaRPr lang="ko-KR" altLang="en-US"/>
           </a:p>
@@ -823,7 +823,7 @@
           <a:p>
             <a:fld id="{42A5A137-CFE1-4A07-9020-2E8A6B52D5EB}" type="datetimeFigureOut">
               <a:rPr lang="ko-KR" altLang="en-US" smtClean="0"/>
-              <a:t>2019-04-11</a:t>
+              <a:t>2019-05-09</a:t>
             </a:fld>
             <a:endParaRPr lang="ko-KR" altLang="en-US"/>
           </a:p>
@@ -1076,7 +1076,7 @@
           <a:p>
             <a:fld id="{42A5A137-CFE1-4A07-9020-2E8A6B52D5EB}" type="datetimeFigureOut">
               <a:rPr lang="ko-KR" altLang="en-US" smtClean="0"/>
-              <a:t>2019-04-11</a:t>
+              <a:t>2019-05-09</a:t>
             </a:fld>
             <a:endParaRPr lang="ko-KR" altLang="en-US"/>
           </a:p>
@@ -1371,7 +1371,7 @@
           <a:p>
             <a:fld id="{42A5A137-CFE1-4A07-9020-2E8A6B52D5EB}" type="datetimeFigureOut">
               <a:rPr lang="ko-KR" altLang="en-US" smtClean="0"/>
-              <a:t>2019-04-11</a:t>
+              <a:t>2019-05-09</a:t>
             </a:fld>
             <a:endParaRPr lang="ko-KR" altLang="en-US"/>
           </a:p>
@@ -1800,7 +1800,7 @@
           <a:p>
             <a:fld id="{42A5A137-CFE1-4A07-9020-2E8A6B52D5EB}" type="datetimeFigureOut">
               <a:rPr lang="ko-KR" altLang="en-US" smtClean="0"/>
-              <a:t>2019-04-11</a:t>
+              <a:t>2019-05-09</a:t>
             </a:fld>
             <a:endParaRPr lang="ko-KR" altLang="en-US"/>
           </a:p>
@@ -1925,7 +1925,7 @@
           <a:p>
             <a:fld id="{42A5A137-CFE1-4A07-9020-2E8A6B52D5EB}" type="datetimeFigureOut">
               <a:rPr lang="ko-KR" altLang="en-US" smtClean="0"/>
-              <a:t>2019-04-11</a:t>
+              <a:t>2019-05-09</a:t>
             </a:fld>
             <a:endParaRPr lang="ko-KR" altLang="en-US"/>
           </a:p>
@@ -2027,7 +2027,7 @@
           <a:p>
             <a:fld id="{42A5A137-CFE1-4A07-9020-2E8A6B52D5EB}" type="datetimeFigureOut">
               <a:rPr lang="ko-KR" altLang="en-US" smtClean="0"/>
-              <a:t>2019-04-11</a:t>
+              <a:t>2019-05-09</a:t>
             </a:fld>
             <a:endParaRPr lang="ko-KR" altLang="en-US"/>
           </a:p>
@@ -2304,7 +2304,7 @@
           <a:p>
             <a:fld id="{42A5A137-CFE1-4A07-9020-2E8A6B52D5EB}" type="datetimeFigureOut">
               <a:rPr lang="ko-KR" altLang="en-US" smtClean="0"/>
-              <a:t>2019-04-11</a:t>
+              <a:t>2019-05-09</a:t>
             </a:fld>
             <a:endParaRPr lang="ko-KR" altLang="en-US"/>
           </a:p>
@@ -2557,7 +2557,7 @@
           <a:p>
             <a:fld id="{42A5A137-CFE1-4A07-9020-2E8A6B52D5EB}" type="datetimeFigureOut">
               <a:rPr lang="ko-KR" altLang="en-US" smtClean="0"/>
-              <a:t>2019-04-11</a:t>
+              <a:t>2019-05-09</a:t>
             </a:fld>
             <a:endParaRPr lang="ko-KR" altLang="en-US"/>
           </a:p>
@@ -2783,7 +2783,7 @@
           <a:p>
             <a:fld id="{42A5A137-CFE1-4A07-9020-2E8A6B52D5EB}" type="datetimeFigureOut">
               <a:rPr lang="ko-KR" altLang="en-US" smtClean="0"/>
-              <a:t>2019-04-11</a:t>
+              <a:t>2019-05-09</a:t>
             </a:fld>
             <a:endParaRPr lang="ko-KR" altLang="en-US"/>
           </a:p>
@@ -4321,10 +4321,15 @@
             <p:ph idx="1"/>
           </p:nvPr>
         </p:nvSpPr>
-        <p:spPr/>
+        <p:spPr>
+          <a:xfrm>
+            <a:off x="457200" y="1412776"/>
+            <a:ext cx="8229600" cy="5112568"/>
+          </a:xfrm>
+        </p:spPr>
         <p:txBody>
           <a:bodyPr>
-            <a:normAutofit fontScale="47500" lnSpcReduction="20000"/>
+            <a:normAutofit fontScale="40000" lnSpcReduction="20000"/>
           </a:bodyPr>
           <a:lstStyle/>
           <a:p>
@@ -4605,6 +4610,60 @@
             </a:pPr>
             <a:endParaRPr lang="en-US" altLang="ko-KR" dirty="0">
               <a:solidFill>
+                <a:schemeClr val="accent3">
+                  <a:lumMod val="50000"/>
+                </a:schemeClr>
+              </a:solidFill>
+            </a:endParaRPr>
+          </a:p>
+          <a:p>
+            <a:pPr marL="0" indent="0" algn="ctr">
+              <a:buNone/>
+            </a:pPr>
+            <a:r>
+              <a:rPr lang="en-US" altLang="ko-KR" dirty="0">
+                <a:solidFill>
+                  <a:schemeClr val="accent3">
+                    <a:lumMod val="50000"/>
+                  </a:schemeClr>
+                </a:solidFill>
+              </a:rPr>
+              <a:t>Shift + ctrl + alt + </a:t>
+            </a:r>
+            <a:r>
+              <a:rPr lang="en-US" altLang="ko-KR" dirty="0" smtClean="0">
+                <a:solidFill>
+                  <a:schemeClr val="accent3">
+                    <a:lumMod val="50000"/>
+                  </a:schemeClr>
+                </a:solidFill>
+              </a:rPr>
+              <a:t>up/down-key = </a:t>
+            </a:r>
+            <a:r>
+              <a:rPr lang="en-US" altLang="ko-KR" dirty="0" err="1">
+                <a:solidFill>
+                  <a:schemeClr val="accent3">
+                    <a:lumMod val="50000"/>
+                  </a:schemeClr>
+                </a:solidFill>
+              </a:rPr>
+              <a:t>multicursor</a:t>
+            </a:r>
+            <a:endParaRPr lang="en-US" altLang="ko-KR" dirty="0">
+              <a:solidFill>
+                <a:schemeClr val="accent3">
+                  <a:lumMod val="50000"/>
+                </a:schemeClr>
+              </a:solidFill>
+            </a:endParaRPr>
+          </a:p>
+          <a:p>
+            <a:pPr marL="0" indent="0" algn="ctr">
+              <a:buNone/>
+            </a:pPr>
+            <a:endParaRPr lang="en-US" altLang="ko-KR" dirty="0">
+              <a:solidFill>
                 <a:schemeClr val="tx2">
                   <a:lumMod val="75000"/>
                 </a:schemeClr>
@@ -4683,39 +4742,20 @@
             <a:r>
               <a:rPr lang="en-US" altLang="ko-KR" dirty="0" smtClean="0">
                 <a:solidFill>
-                  <a:schemeClr val="accent3">
-                    <a:lumMod val="75000"/>
-                  </a:schemeClr>
-                </a:solidFill>
-              </a:rPr>
-              <a:t>Shift </a:t>
-            </a:r>
-            <a:r>
-              <a:rPr lang="en-US" altLang="ko-KR" dirty="0" smtClean="0">
-                <a:solidFill>
-                  <a:schemeClr val="accent3">
-                    <a:lumMod val="60000"/>
-                    <a:lumOff val="40000"/>
-                  </a:schemeClr>
-                </a:solidFill>
-              </a:rPr>
-              <a:t>+</a:t>
-            </a:r>
-            <a:r>
-              <a:rPr lang="en-US" altLang="ko-KR" dirty="0" smtClean="0">
-                <a:solidFill>
-                  <a:schemeClr val="accent3">
-                    <a:lumMod val="75000"/>
-                  </a:schemeClr>
-                </a:solidFill>
-              </a:rPr>
-              <a:t> Tab  = </a:t>
+                  <a:schemeClr val="tx1">
+                    <a:lumMod val="65000"/>
+                    <a:lumOff val="35000"/>
+                  </a:schemeClr>
+                </a:solidFill>
+              </a:rPr>
+              <a:t>Shift + Tab  = </a:t>
             </a:r>
             <a:r>
               <a:rPr lang="en-US" altLang="ko-KR" dirty="0" err="1" smtClean="0">
                 <a:solidFill>
-                  <a:schemeClr val="accent3">
-                    <a:lumMod val="75000"/>
+                  <a:schemeClr val="tx1">
+                    <a:lumMod val="65000"/>
+                    <a:lumOff val="35000"/>
                   </a:schemeClr>
                 </a:solidFill>
               </a:rPr>
@@ -4723,8 +4763,9 @@
             </a:r>
             <a:endParaRPr lang="en-US" altLang="ko-KR" dirty="0" smtClean="0">
               <a:solidFill>
-                <a:schemeClr val="accent3">
-                  <a:lumMod val="75000"/>
+                <a:schemeClr val="tx1">
+                  <a:lumMod val="65000"/>
+                  <a:lumOff val="35000"/>
                 </a:schemeClr>
               </a:solidFill>
             </a:endParaRPr>
@@ -4890,15 +4931,7 @@
                   <a:srgbClr val="FFC000"/>
                 </a:solidFill>
               </a:rPr>
-              <a:t>Shift + Alt + I  = cursor at the end of </a:t>
-            </a:r>
-            <a:r>
-              <a:rPr lang="en-US" altLang="ko-KR" dirty="0" smtClean="0">
-                <a:solidFill>
-                  <a:srgbClr val="FFC000"/>
-                </a:solidFill>
-              </a:rPr>
-              <a:t>Line</a:t>
+              <a:t>Shift + Alt + I  = cursor at the end of Line</a:t>
             </a:r>
           </a:p>
           <a:p>
@@ -4921,11 +4954,71 @@
                   <a:srgbClr val="FF0000"/>
                 </a:solidFill>
               </a:rPr>
-              <a:t>Ctrl + .  = QUICK FIX</a:t>
+              <a:t>Ctrl + .  = QUICK </a:t>
+            </a:r>
+            <a:r>
+              <a:rPr lang="en-US" altLang="ko-KR" dirty="0" smtClean="0">
+                <a:solidFill>
+                  <a:srgbClr val="FF0000"/>
+                </a:solidFill>
+              </a:rPr>
+              <a:t>FIX</a:t>
+            </a:r>
+          </a:p>
+          <a:p>
+            <a:pPr marL="0" indent="0" algn="ctr">
+              <a:buNone/>
+            </a:pPr>
+            <a:endParaRPr lang="en-US" altLang="ko-KR" dirty="0">
+              <a:solidFill>
+                <a:srgbClr val="FF0000"/>
+              </a:solidFill>
+            </a:endParaRPr>
+          </a:p>
+          <a:p>
+            <a:pPr marL="0" indent="0" algn="ctr">
+              <a:buNone/>
+            </a:pPr>
+            <a:r>
+              <a:rPr lang="en-US" altLang="ko-KR" dirty="0" smtClean="0">
+                <a:solidFill>
+                  <a:schemeClr val="bg2">
+                    <a:lumMod val="25000"/>
+                  </a:schemeClr>
+                </a:solidFill>
+              </a:rPr>
+              <a:t>Shift + alt + up/down-key = fast copy</a:t>
+            </a:r>
+          </a:p>
+          <a:p>
+            <a:pPr marL="0" indent="0" algn="ctr">
+              <a:buNone/>
+            </a:pPr>
+            <a:endParaRPr lang="en-US" altLang="ko-KR" dirty="0">
+              <a:solidFill>
+                <a:srgbClr val="FF0000"/>
+              </a:solidFill>
+            </a:endParaRPr>
+          </a:p>
+          <a:p>
+            <a:pPr marL="0" indent="0" algn="ctr">
+              <a:buNone/>
+            </a:pPr>
+            <a:r>
+              <a:rPr lang="en-US" altLang="ko-KR" dirty="0" smtClean="0">
+                <a:solidFill>
+                  <a:schemeClr val="tx2">
+                    <a:lumMod val="75000"/>
+                  </a:schemeClr>
+                </a:solidFill>
+              </a:rPr>
+              <a:t>Ctrl + D = Find Next word</a:t>
             </a:r>
             <a:endParaRPr lang="en-US" altLang="ko-KR" dirty="0" smtClean="0">
               <a:solidFill>
-                <a:srgbClr val="FF0000"/>
+                <a:schemeClr val="tx2">
+                  <a:lumMod val="75000"/>
+                </a:schemeClr>
               </a:solidFill>
             </a:endParaRPr>
           </a:p>
